--- a/computing_setup/tutorials/Lecture-GithubReview.pptx
+++ b/computing_setup/tutorials/Lecture-GithubReview.pptx
@@ -205,7 +205,7 @@
           <a:p>
             <a:fld id="{AFD01546-198A-4195-BCF8-F0FF54C90E5E}" type="datetimeFigureOut">
               <a:rPr lang="en-US" smtClean="0"/>
-              <a:t>8/27/24</a:t>
+              <a:t>8/27/25</a:t>
             </a:fld>
             <a:endParaRPr lang="en-US" dirty="0"/>
           </a:p>
@@ -787,7 +787,7 @@
           <a:p>
             <a:fld id="{88D38747-4367-4BD2-8D51-C97E202738E2}" type="datetime1">
               <a:rPr lang="en-US" smtClean="0"/>
-              <a:t>8/27/24</a:t>
+              <a:t>8/27/25</a:t>
             </a:fld>
             <a:endParaRPr lang="en-US" dirty="0"/>
           </a:p>
@@ -986,7 +986,7 @@
           <a:p>
             <a:fld id="{073ED0CC-082F-4160-86E5-0D6041F12778}" type="datetime1">
               <a:rPr lang="en-US" smtClean="0"/>
-              <a:t>8/27/24</a:t>
+              <a:t>8/27/25</a:t>
             </a:fld>
             <a:endParaRPr lang="en-US" dirty="0"/>
           </a:p>
@@ -1195,7 +1195,7 @@
           <a:p>
             <a:fld id="{073ED0CC-082F-4160-86E5-0D6041F12778}" type="datetime1">
               <a:rPr lang="en-US" smtClean="0"/>
-              <a:t>8/27/24</a:t>
+              <a:t>8/27/25</a:t>
             </a:fld>
             <a:endParaRPr lang="en-US" dirty="0"/>
           </a:p>
@@ -1394,7 +1394,7 @@
           <a:p>
             <a:fld id="{73C55A3C-5767-4844-A0A3-83778C2E5409}" type="datetime1">
               <a:rPr lang="en-US" smtClean="0"/>
-              <a:t>8/27/24</a:t>
+              <a:t>8/27/25</a:t>
             </a:fld>
             <a:endParaRPr lang="en-US" dirty="0"/>
           </a:p>
@@ -1669,7 +1669,7 @@
           <a:p>
             <a:fld id="{CAE507A8-A5CF-4D38-AB86-7EDDA87A85D4}" type="datetime1">
               <a:rPr lang="en-US" smtClean="0"/>
-              <a:t>8/27/24</a:t>
+              <a:t>8/27/25</a:t>
             </a:fld>
             <a:endParaRPr lang="en-US" dirty="0"/>
           </a:p>
@@ -1935,7 +1935,7 @@
           <a:p>
             <a:fld id="{BDFCD27C-8599-43EF-BA1D-14DDC1946E06}" type="datetime1">
               <a:rPr lang="en-US" smtClean="0"/>
-              <a:t>8/27/24</a:t>
+              <a:t>8/27/25</a:t>
             </a:fld>
             <a:endParaRPr lang="en-US" dirty="0"/>
           </a:p>
@@ -2347,7 +2347,7 @@
           <a:p>
             <a:fld id="{49343D99-809A-49C0-96E5-4250D0B498EE}" type="datetime1">
               <a:rPr lang="en-US" smtClean="0"/>
-              <a:t>8/27/24</a:t>
+              <a:t>8/27/25</a:t>
             </a:fld>
             <a:endParaRPr lang="en-US" dirty="0"/>
           </a:p>
@@ -2488,7 +2488,7 @@
           <a:p>
             <a:fld id="{A143DE9B-B678-4EFB-BB7D-A4370204A0B0}" type="datetime1">
               <a:rPr lang="en-US" smtClean="0"/>
-              <a:t>8/27/24</a:t>
+              <a:t>8/27/25</a:t>
             </a:fld>
             <a:endParaRPr lang="en-US" dirty="0"/>
           </a:p>
@@ -2601,7 +2601,7 @@
           <a:p>
             <a:fld id="{E68812DA-F765-4142-A6A3-A8ED7235E082}" type="datetime1">
               <a:rPr lang="en-US" smtClean="0"/>
-              <a:t>8/27/24</a:t>
+              <a:t>8/27/25</a:t>
             </a:fld>
             <a:endParaRPr lang="en-US" dirty="0"/>
           </a:p>
@@ -2912,7 +2912,7 @@
           <a:p>
             <a:fld id="{3E0277FD-7DE6-41D4-930D-AC99F5AFE54E}" type="datetime1">
               <a:rPr lang="en-US" smtClean="0"/>
-              <a:t>8/27/24</a:t>
+              <a:t>8/27/25</a:t>
             </a:fld>
             <a:endParaRPr lang="en-US" dirty="0"/>
           </a:p>
@@ -3201,7 +3201,7 @@
           <a:p>
             <a:fld id="{9EA15526-7079-4B7B-987C-1B5FAE11A0FF}" type="datetime1">
               <a:rPr lang="en-US" smtClean="0"/>
-              <a:t>8/27/24</a:t>
+              <a:t>8/27/25</a:t>
             </a:fld>
             <a:endParaRPr lang="en-US" dirty="0"/>
           </a:p>
@@ -3443,7 +3443,7 @@
           <a:p>
             <a:fld id="{073ED0CC-082F-4160-86E5-0D6041F12778}" type="datetime1">
               <a:rPr lang="en-US" smtClean="0"/>
-              <a:t>8/27/24</a:t>
+              <a:t>8/27/25</a:t>
             </a:fld>
             <a:endParaRPr lang="en-US" dirty="0"/>
           </a:p>
@@ -4277,7 +4277,7 @@
         <p:spPr>
           <a:xfrm>
             <a:off x="4953915" y="2402590"/>
-            <a:ext cx="6733309" cy="369332"/>
+            <a:ext cx="6733309" cy="646331"/>
           </a:xfrm>
           <a:prstGeom prst="rect">
             <a:avLst/>
@@ -4291,25 +4291,15 @@
           <a:lstStyle/>
           <a:p>
             <a:r>
-              <a:rPr lang="en-US" dirty="0"/>
-              <a:t>https://</a:t>
-            </a:r>
-            <a:r>
-              <a:rPr lang="en-US" dirty="0" err="1"/>
-              <a:t>github.com</a:t>
-            </a:r>
-            <a:r>
-              <a:rPr lang="en-US" dirty="0"/>
-              <a:t>/</a:t>
-            </a:r>
-            <a:r>
-              <a:rPr lang="en-US" dirty="0" err="1"/>
-              <a:t>alejandrosanchezbecerra</a:t>
-            </a:r>
-            <a:r>
-              <a:rPr lang="en-US" dirty="0"/>
-              <a:t>/qtm530fall2024</a:t>
-            </a:r>
+              <a:rPr lang="en-US" dirty="0">
+                <a:hlinkClick r:id="rId4"/>
+              </a:rPr>
+              <a:t>https://github.com/alejandrosanchezbecerra/datasci530fall2025</a:t>
+            </a:r>
+            <a:endParaRPr lang="en-US" dirty="0"/>
+          </a:p>
+          <a:p>
+            <a:endParaRPr lang="en-US" dirty="0"/>
           </a:p>
         </p:txBody>
       </p:sp>
@@ -4637,7 +4627,7 @@
         <p:spPr>
           <a:xfrm>
             <a:off x="4953915" y="1170138"/>
-            <a:ext cx="6733309" cy="369332"/>
+            <a:ext cx="6733309" cy="646331"/>
           </a:xfrm>
           <a:prstGeom prst="rect">
             <a:avLst/>
@@ -4651,25 +4641,15 @@
           <a:lstStyle/>
           <a:p>
             <a:r>
-              <a:rPr lang="en-US" dirty="0"/>
-              <a:t>https://</a:t>
-            </a:r>
-            <a:r>
-              <a:rPr lang="en-US" dirty="0" err="1"/>
-              <a:t>github.com</a:t>
-            </a:r>
-            <a:r>
-              <a:rPr lang="en-US" dirty="0"/>
-              <a:t>/</a:t>
-            </a:r>
-            <a:r>
-              <a:rPr lang="en-US" dirty="0" err="1"/>
-              <a:t>alejandrosanchezbecerra</a:t>
-            </a:r>
-            <a:r>
-              <a:rPr lang="en-US" dirty="0"/>
-              <a:t>/qtm530fall2024</a:t>
-            </a:r>
+              <a:rPr lang="en-US" dirty="0">
+                <a:hlinkClick r:id="rId4"/>
+              </a:rPr>
+              <a:t>https://github.com/alejandrosanchezbecerra/datasci530fall2025</a:t>
+            </a:r>
+            <a:endParaRPr lang="en-US" dirty="0"/>
+          </a:p>
+          <a:p>
+            <a:endParaRPr lang="en-US" dirty="0"/>
           </a:p>
         </p:txBody>
       </p:sp>
@@ -4740,44 +4720,14 @@
           <p:nvPr/>
         </p:nvPicPr>
         <p:blipFill>
-          <a:blip r:embed="rId4"/>
-          <a:stretch>
-            <a:fillRect/>
-          </a:stretch>
-        </p:blipFill>
-        <p:spPr>
-          <a:xfrm>
-            <a:off x="3627945" y="4096385"/>
-            <a:ext cx="3556000" cy="2413000"/>
-          </a:xfrm>
-          <a:prstGeom prst="rect">
-            <a:avLst/>
-          </a:prstGeom>
-        </p:spPr>
-      </p:pic>
-      <p:pic>
-        <p:nvPicPr>
-          <p:cNvPr id="12" name="Picture 11">
-            <a:extLst>
-              <a:ext uri="{FF2B5EF4-FFF2-40B4-BE49-F238E27FC236}">
-                <a16:creationId xmlns:a16="http://schemas.microsoft.com/office/drawing/2014/main" id="{C6A28C4B-2FB4-E581-63D7-9A6E9C8C3E43}"/>
-              </a:ext>
-            </a:extLst>
-          </p:cNvPr>
-          <p:cNvPicPr>
-            <a:picLocks noChangeAspect="1"/>
-          </p:cNvPicPr>
-          <p:nvPr/>
-        </p:nvPicPr>
-        <p:blipFill rotWithShape="1">
           <a:blip r:embed="rId5"/>
-          <a:srcRect r="39260" b="-15862"/>
+          <a:srcRect t="13152"/>
           <a:stretch/>
         </p:blipFill>
         <p:spPr>
           <a:xfrm>
-            <a:off x="3627945" y="4116221"/>
-            <a:ext cx="3610140" cy="369332"/>
+            <a:off x="3874129" y="4114724"/>
+            <a:ext cx="3556000" cy="2095647"/>
           </a:xfrm>
           <a:prstGeom prst="rect">
             <a:avLst/>
@@ -5117,25 +5067,12 @@
           <a:lstStyle/>
           <a:p>
             <a:r>
-              <a:rPr lang="en-US" dirty="0"/>
-              <a:t>https://</a:t>
-            </a:r>
-            <a:r>
-              <a:rPr lang="en-US" dirty="0" err="1"/>
-              <a:t>github.com</a:t>
-            </a:r>
-            <a:r>
-              <a:rPr lang="en-US" dirty="0"/>
-              <a:t>/</a:t>
-            </a:r>
-            <a:r>
-              <a:rPr lang="en-US" dirty="0" err="1"/>
-              <a:t>alejandrosanchezbecerra</a:t>
-            </a:r>
-            <a:r>
-              <a:rPr lang="en-US" dirty="0"/>
-              <a:t>/qtm530fall2024</a:t>
-            </a:r>
+              <a:rPr lang="en-US" dirty="0">
+                <a:hlinkClick r:id="rId8"/>
+              </a:rPr>
+              <a:t>https://github.com/alejandrosanchezbecerra/datasci530fall2025</a:t>
+            </a:r>
+            <a:endParaRPr lang="en-US" dirty="0"/>
           </a:p>
         </p:txBody>
       </p:sp>
@@ -5208,7 +5145,7 @@
           <p:nvPr/>
         </p:nvPicPr>
         <p:blipFill rotWithShape="1">
-          <a:blip r:embed="rId8">
+          <a:blip r:embed="rId9">
             <a:extLst>
               <a:ext uri="{28A0092B-C50C-407E-A947-70E740481C1C}">
                 <a14:useLocalDpi xmlns:a14="http://schemas.microsoft.com/office/drawing/2010/main" val="0"/>
@@ -5253,7 +5190,7 @@
           <p:nvPr/>
         </p:nvPicPr>
         <p:blipFill rotWithShape="1">
-          <a:blip r:embed="rId8">
+          <a:blip r:embed="rId9">
             <a:extLst>
               <a:ext uri="{28A0092B-C50C-407E-A947-70E740481C1C}">
                 <a14:useLocalDpi xmlns:a14="http://schemas.microsoft.com/office/drawing/2010/main" val="0"/>
@@ -5298,7 +5235,7 @@
           <p:nvPr/>
         </p:nvPicPr>
         <p:blipFill>
-          <a:blip r:embed="rId9">
+          <a:blip r:embed="rId10">
             <a:extLst>
               <a:ext uri="{28A0092B-C50C-407E-A947-70E740481C1C}">
                 <a14:useLocalDpi xmlns:a14="http://schemas.microsoft.com/office/drawing/2010/main" val="0"/>
@@ -5345,7 +5282,7 @@
           <p:nvPr/>
         </p:nvPicPr>
         <p:blipFill rotWithShape="1">
-          <a:blip r:embed="rId8">
+          <a:blip r:embed="rId9">
             <a:extLst>
               <a:ext uri="{28A0092B-C50C-407E-A947-70E740481C1C}">
                 <a14:useLocalDpi xmlns:a14="http://schemas.microsoft.com/office/drawing/2010/main" val="0"/>
@@ -5444,7 +5381,7 @@
           <p:nvPr/>
         </p:nvPicPr>
         <p:blipFill rotWithShape="1">
-          <a:blip r:embed="rId8">
+          <a:blip r:embed="rId9">
             <a:extLst>
               <a:ext uri="{28A0092B-C50C-407E-A947-70E740481C1C}">
                 <a14:useLocalDpi xmlns:a14="http://schemas.microsoft.com/office/drawing/2010/main" val="0"/>
@@ -5489,7 +5426,7 @@
           <p:nvPr/>
         </p:nvPicPr>
         <p:blipFill rotWithShape="1">
-          <a:blip r:embed="rId8">
+          <a:blip r:embed="rId9">
             <a:extLst>
               <a:ext uri="{28A0092B-C50C-407E-A947-70E740481C1C}">
                 <a14:useLocalDpi xmlns:a14="http://schemas.microsoft.com/office/drawing/2010/main" val="0"/>
@@ -5534,7 +5471,7 @@
           <p:nvPr/>
         </p:nvPicPr>
         <p:blipFill>
-          <a:blip r:embed="rId9">
+          <a:blip r:embed="rId10">
             <a:extLst>
               <a:ext uri="{28A0092B-C50C-407E-A947-70E740481C1C}">
                 <a14:useLocalDpi xmlns:a14="http://schemas.microsoft.com/office/drawing/2010/main" val="0"/>
@@ -5581,7 +5518,7 @@
           <p:nvPr/>
         </p:nvPicPr>
         <p:blipFill rotWithShape="1">
-          <a:blip r:embed="rId8">
+          <a:blip r:embed="rId9">
             <a:extLst>
               <a:ext uri="{28A0092B-C50C-407E-A947-70E740481C1C}">
                 <a14:useLocalDpi xmlns:a14="http://schemas.microsoft.com/office/drawing/2010/main" val="0"/>
@@ -8833,7 +8770,7 @@
         <p:spPr>
           <a:xfrm>
             <a:off x="5104386" y="1326144"/>
-            <a:ext cx="6733309" cy="646331"/>
+            <a:ext cx="6733309" cy="369332"/>
           </a:xfrm>
           <a:prstGeom prst="rect">
             <a:avLst/>
@@ -8850,11 +8787,8 @@
               <a:rPr lang="en-US" dirty="0">
                 <a:hlinkClick r:id="rId5"/>
               </a:rPr>
-              <a:t>https://github.com/alejandrosanchezbecerra/qtm530fall2024</a:t>
-            </a:r>
-            <a:endParaRPr lang="en-US" dirty="0"/>
-          </a:p>
-          <a:p>
+              <a:t>https://github.com/alejandrosanchezbecerra/datasci530fall2025</a:t>
+            </a:r>
             <a:endParaRPr lang="en-US" dirty="0"/>
           </a:p>
         </p:txBody>
@@ -9363,7 +9297,7 @@
               <a:rPr lang="en-US" dirty="0">
                 <a:hlinkClick r:id="rId8"/>
               </a:rPr>
-              <a:t>https://github.com/alejandrosanchezbecerra/qtm530fall2024</a:t>
+              <a:t>https://github.com/alejandrosanchezbecerra/datasci530fall2025</a:t>
             </a:r>
             <a:endParaRPr lang="en-US" dirty="0"/>
           </a:p>
@@ -10632,6 +10566,24 @@
 </file>
 
 <file path=customXml/item1.xml><?xml version="1.0" encoding="utf-8"?>
+<?mso-contentType ?>
+<FormTemplates xmlns="http://schemas.microsoft.com/sharepoint/v3/contenttype/forms">
+  <Display>DocumentLibraryForm</Display>
+  <Edit>DocumentLibraryForm</Edit>
+  <New>DocumentLibraryForm</New>
+</FormTemplates>
+</file>
+
+<file path=customXml/item2.xml><?xml version="1.0" encoding="utf-8"?>
+<p:properties xmlns:p="http://schemas.microsoft.com/office/2006/metadata/properties" xmlns:xsi="http://www.w3.org/2001/XMLSchema-instance" xmlns:pc="http://schemas.microsoft.com/office/infopath/2007/PartnerControls">
+  <documentManagement>
+    <Status xmlns="71af3243-3dd4-4a8d-8c0d-dd76da1f02a5">Not started</Status>
+    <MediaServiceKeyPoints xmlns="71af3243-3dd4-4a8d-8c0d-dd76da1f02a5" xsi:nil="true"/>
+  </documentManagement>
+</p:properties>
+</file>
+
+<file path=customXml/item3.xml><?xml version="1.0" encoding="utf-8"?>
 <ct:contentTypeSchema xmlns:ct="http://schemas.microsoft.com/office/2006/metadata/contentType" xmlns:ma="http://schemas.microsoft.com/office/2006/metadata/properties/metaAttributes" ct:_="" ma:_="" ma:contentTypeName="Document" ma:contentTypeID="0x01010079F111ED35F8CC479449609E8A0923A6" ma:contentTypeVersion="12" ma:contentTypeDescription="Create a new document." ma:contentTypeScope="" ma:versionID="a410dd7f93c95333ffa1b60ed6adedd1">
   <xsd:schema xmlns:xsd="http://www.w3.org/2001/XMLSchema" xmlns:xs="http://www.w3.org/2001/XMLSchema" xmlns:p="http://schemas.microsoft.com/office/2006/metadata/properties" xmlns:ns2="71af3243-3dd4-4a8d-8c0d-dd76da1f02a5" xmlns:ns3="16c05727-aa75-4e4a-9b5f-8a80a1165891" targetNamespace="http://schemas.microsoft.com/office/2006/metadata/properties" ma:root="true" ma:fieldsID="a936d9baba76aa3866493feff160faab" ns2:_="" ns3:_="">
     <xsd:import namespace="71af3243-3dd4-4a8d-8c0d-dd76da1f02a5"/>
@@ -10852,39 +10804,10 @@
 </ct:contentTypeSchema>
 </file>
 
-<file path=customXml/item2.xml><?xml version="1.0" encoding="utf-8"?>
-<p:properties xmlns:p="http://schemas.microsoft.com/office/2006/metadata/properties" xmlns:xsi="http://www.w3.org/2001/XMLSchema-instance" xmlns:pc="http://schemas.microsoft.com/office/infopath/2007/PartnerControls">
-  <documentManagement>
-    <Status xmlns="71af3243-3dd4-4a8d-8c0d-dd76da1f02a5">Not started</Status>
-    <MediaServiceKeyPoints xmlns="71af3243-3dd4-4a8d-8c0d-dd76da1f02a5" xsi:nil="true"/>
-  </documentManagement>
-</p:properties>
-</file>
-
-<file path=customXml/item3.xml><?xml version="1.0" encoding="utf-8"?>
-<?mso-contentType ?>
-<FormTemplates xmlns="http://schemas.microsoft.com/sharepoint/v3/contenttype/forms">
-  <Display>DocumentLibraryForm</Display>
-  <Edit>DocumentLibraryForm</Edit>
-  <New>DocumentLibraryForm</New>
-</FormTemplates>
-</file>
-
 <file path=customXml/itemProps1.xml><?xml version="1.0" encoding="utf-8"?>
-<ds:datastoreItem xmlns:ds="http://schemas.openxmlformats.org/officeDocument/2006/customXml" ds:itemID="{0585E981-8C91-4205-A0C3-C991F42B4C9E}">
+<ds:datastoreItem xmlns:ds="http://schemas.openxmlformats.org/officeDocument/2006/customXml" ds:itemID="{64B270AB-C138-415C-897E-3C24487DECF1}">
   <ds:schemaRefs>
-    <ds:schemaRef ds:uri="http://schemas.microsoft.com/office/2006/metadata/contentType"/>
-    <ds:schemaRef ds:uri="http://schemas.microsoft.com/office/2006/metadata/properties/metaAttributes"/>
-    <ds:schemaRef ds:uri="http://www.w3.org/2001/XMLSchema"/>
-    <ds:schemaRef ds:uri="http://schemas.microsoft.com/office/2006/metadata/properties"/>
-    <ds:schemaRef ds:uri="71af3243-3dd4-4a8d-8c0d-dd76da1f02a5"/>
-    <ds:schemaRef ds:uri="16c05727-aa75-4e4a-9b5f-8a80a1165891"/>
-    <ds:schemaRef ds:uri="http://schemas.microsoft.com/office/2006/documentManagement/types"/>
-    <ds:schemaRef ds:uri="http://schemas.microsoft.com/office/infopath/2007/PartnerControls"/>
-    <ds:schemaRef ds:uri="http://schemas.openxmlformats.org/package/2006/metadata/core-properties"/>
-    <ds:schemaRef ds:uri="http://purl.org/dc/elements/1.1/"/>
-    <ds:schemaRef ds:uri="http://purl.org/dc/terms/"/>
-    <ds:schemaRef ds:uri="http://schemas.microsoft.com/internal/obd"/>
+    <ds:schemaRef ds:uri="http://schemas.microsoft.com/sharepoint/v3/contenttype/forms"/>
   </ds:schemaRefs>
 </ds:datastoreItem>
 </file>
@@ -10907,9 +10830,20 @@
 </file>
 
 <file path=customXml/itemProps3.xml><?xml version="1.0" encoding="utf-8"?>
-<ds:datastoreItem xmlns:ds="http://schemas.openxmlformats.org/officeDocument/2006/customXml" ds:itemID="{64B270AB-C138-415C-897E-3C24487DECF1}">
+<ds:datastoreItem xmlns:ds="http://schemas.openxmlformats.org/officeDocument/2006/customXml" ds:itemID="{0585E981-8C91-4205-A0C3-C991F42B4C9E}">
   <ds:schemaRefs>
-    <ds:schemaRef ds:uri="http://schemas.microsoft.com/sharepoint/v3/contenttype/forms"/>
+    <ds:schemaRef ds:uri="http://schemas.microsoft.com/office/2006/metadata/contentType"/>
+    <ds:schemaRef ds:uri="http://schemas.microsoft.com/office/2006/metadata/properties/metaAttributes"/>
+    <ds:schemaRef ds:uri="http://www.w3.org/2001/XMLSchema"/>
+    <ds:schemaRef ds:uri="http://schemas.microsoft.com/office/2006/metadata/properties"/>
+    <ds:schemaRef ds:uri="71af3243-3dd4-4a8d-8c0d-dd76da1f02a5"/>
+    <ds:schemaRef ds:uri="16c05727-aa75-4e4a-9b5f-8a80a1165891"/>
+    <ds:schemaRef ds:uri="http://schemas.microsoft.com/office/2006/documentManagement/types"/>
+    <ds:schemaRef ds:uri="http://schemas.microsoft.com/office/infopath/2007/PartnerControls"/>
+    <ds:schemaRef ds:uri="http://schemas.openxmlformats.org/package/2006/metadata/core-properties"/>
+    <ds:schemaRef ds:uri="http://purl.org/dc/elements/1.1/"/>
+    <ds:schemaRef ds:uri="http://purl.org/dc/terms/"/>
+    <ds:schemaRef ds:uri="http://schemas.microsoft.com/internal/obd"/>
   </ds:schemaRefs>
 </ds:datastoreItem>
 </file>